--- a/ppt/MVVM in Application programming.pptx
+++ b/ppt/MVVM in Application programming.pptx
@@ -12,6 +12,10 @@
     <p:sldId id="260" r:id="rId6"/>
     <p:sldId id="261" r:id="rId7"/>
     <p:sldId id="262" r:id="rId8"/>
+    <p:sldId id="263" r:id="rId9"/>
+    <p:sldId id="264" r:id="rId10"/>
+    <p:sldId id="265" r:id="rId11"/>
+    <p:sldId id="266" r:id="rId12"/>
   </p:sldIdLst>
   <p:sldSz cx="12192000" cy="6858000"/>
   <p:notesSz cx="6858000" cy="9144000"/>
@@ -110,6 +114,11 @@
       </a:defRPr>
     </a:lvl9pPr>
   </p:defaultTextStyle>
+  <p:extLst>
+    <p:ext uri="{EFAFB233-063F-42B5-8137-9DF3F51BA10A}">
+      <p15:sldGuideLst xmlns:p15="http://schemas.microsoft.com/office/powerpoint/2012/main"/>
+    </p:ext>
+  </p:extLst>
 </p:presentation>
 </file>
 
@@ -401,7 +410,7 @@
             <a:fld id="{08B9EBBA-996F-894A-B54A-D6246ED52CEA}" type="datetimeFigureOut">
               <a:rPr lang="en-US" dirty="0"/>
               <a:pPr/>
-              <a:t>3/16/2021</a:t>
+              <a:t>3/17/2021</a:t>
             </a:fld>
             <a:endParaRPr lang="en-US" dirty="0"/>
           </a:p>
@@ -716,7 +725,7 @@
             <a:fld id="{18C79C5D-2A6F-F04D-97DA-BEF2467B64E4}" type="datetimeFigureOut">
               <a:rPr lang="en-US" dirty="0"/>
               <a:pPr/>
-              <a:t>3/16/2021</a:t>
+              <a:t>3/17/2021</a:t>
             </a:fld>
             <a:endParaRPr lang="en-US" dirty="0"/>
           </a:p>
@@ -1201,7 +1210,7 @@
             <a:fld id="{8DFA1846-DA80-1C48-A609-854EA85C59AD}" type="datetimeFigureOut">
               <a:rPr lang="en-US" dirty="0"/>
               <a:pPr/>
-              <a:t>3/16/2021</a:t>
+              <a:t>3/17/2021</a:t>
             </a:fld>
             <a:endParaRPr lang="en-US" dirty="0"/>
           </a:p>
@@ -1567,7 +1576,7 @@
             <a:fld id="{FBF54567-0DE4-3F47-BF90-CB84690072F9}" type="datetimeFigureOut">
               <a:rPr lang="en-US" dirty="0"/>
               <a:pPr/>
-              <a:t>3/16/2021</a:t>
+              <a:t>3/17/2021</a:t>
             </a:fld>
             <a:endParaRPr lang="en-US" dirty="0"/>
           </a:p>
@@ -1837,7 +1846,7 @@
             <a:fld id="{C6C52C72-DE31-F449-A4ED-4C594FD91407}" type="datetimeFigureOut">
               <a:rPr lang="en-US" dirty="0"/>
               <a:pPr/>
-              <a:t>3/16/2021</a:t>
+              <a:t>3/17/2021</a:t>
             </a:fld>
             <a:endParaRPr lang="en-US" dirty="0"/>
           </a:p>
@@ -2119,7 +2128,7 @@
             <a:fld id="{ED62726E-379B-B349-9EED-81ED093FA806}" type="datetimeFigureOut">
               <a:rPr lang="en-US" dirty="0"/>
               <a:pPr/>
-              <a:t>3/16/2021</a:t>
+              <a:t>3/17/2021</a:t>
             </a:fld>
             <a:endParaRPr lang="en-US" dirty="0"/>
           </a:p>
@@ -2399,7 +2408,7 @@
             <a:fld id="{9B3A1323-8D79-1946-B0D7-40001CF92E9D}" type="datetimeFigureOut">
               <a:rPr lang="en-US" dirty="0"/>
               <a:pPr/>
-              <a:t>3/16/2021</a:t>
+              <a:t>3/17/2021</a:t>
             </a:fld>
             <a:endParaRPr lang="en-US" dirty="0"/>
           </a:p>
@@ -2739,7 +2748,7 @@
             <a:fld id="{8DFA1846-DA80-1C48-A609-854EA85C59AD}" type="datetimeFigureOut">
               <a:rPr lang="en-US" dirty="0"/>
               <a:pPr/>
-              <a:t>3/16/2021</a:t>
+              <a:t>3/17/2021</a:t>
             </a:fld>
             <a:endParaRPr lang="en-US" dirty="0"/>
           </a:p>
@@ -3075,7 +3084,7 @@
             <a:fld id="{57302355-E14B-8545-A8F8-0FE83CC9D524}" type="datetimeFigureOut">
               <a:rPr lang="en-US" dirty="0"/>
               <a:pPr/>
-              <a:t>3/16/2021</a:t>
+              <a:t>3/17/2021</a:t>
             </a:fld>
             <a:endParaRPr lang="en-US" dirty="0"/>
           </a:p>
@@ -3549,7 +3558,7 @@
             <a:fld id="{02640F58-564D-2B4F-AE67-E407BA4FCF45}" type="datetimeFigureOut">
               <a:rPr lang="en-US" dirty="0"/>
               <a:pPr/>
-              <a:t>3/16/2021</a:t>
+              <a:t>3/17/2021</a:t>
             </a:fld>
             <a:endParaRPr lang="en-US" dirty="0"/>
           </a:p>
@@ -3767,7 +3776,7 @@
             <a:fld id="{F13A34C8-038E-2045-AF43-DF7DBB8E0E9E}" type="datetimeFigureOut">
               <a:rPr lang="en-US" dirty="0"/>
               <a:pPr/>
-              <a:t>3/16/2021</a:t>
+              <a:t>3/17/2021</a:t>
             </a:fld>
             <a:endParaRPr lang="en-US" dirty="0"/>
           </a:p>
@@ -3859,7 +3868,7 @@
             <a:fld id="{8818C68F-D26B-8F47-958C-23B49CF8A634}" type="datetimeFigureOut">
               <a:rPr lang="en-US" dirty="0"/>
               <a:pPr/>
-              <a:t>3/16/2021</a:t>
+              <a:t>3/17/2021</a:t>
             </a:fld>
             <a:endParaRPr lang="en-US" dirty="0"/>
           </a:p>
@@ -4323,7 +4332,7 @@
             <a:fld id="{D0DF5E60-9974-AC48-9591-99C2BB44B7CF}" type="datetimeFigureOut">
               <a:rPr lang="en-US" dirty="0"/>
               <a:pPr/>
-              <a:t>3/16/2021</a:t>
+              <a:t>3/17/2021</a:t>
             </a:fld>
             <a:endParaRPr lang="en-US" dirty="0"/>
           </a:p>
@@ -4633,7 +4642,7 @@
             <a:fld id="{18C79C5D-2A6F-F04D-97DA-BEF2467B64E4}" type="datetimeFigureOut">
               <a:rPr lang="en-US" dirty="0"/>
               <a:pPr/>
-              <a:t>3/16/2021</a:t>
+              <a:t>3/17/2021</a:t>
             </a:fld>
             <a:endParaRPr lang="en-US" dirty="0"/>
           </a:p>
@@ -4900,7 +4909,7 @@
             <a:fld id="{09B482E8-6E0E-1B4F-B1FD-C69DB9E858D9}" type="datetimeFigureOut">
               <a:rPr lang="en-US" dirty="0"/>
               <a:pPr/>
-              <a:t>3/16/2021</a:t>
+              <a:t>3/17/2021</a:t>
             </a:fld>
             <a:endParaRPr lang="en-US" dirty="0"/>
           </a:p>
@@ -5418,6 +5427,255 @@
 </p:sld>
 </file>
 
+<file path=ppt/slides/slide10.xml><?xml version="1.0" encoding="utf-8"?>
+<p:sld xmlns:a="http://schemas.openxmlformats.org/drawingml/2006/main" xmlns:r="http://schemas.openxmlformats.org/officeDocument/2006/relationships" xmlns:p="http://schemas.openxmlformats.org/presentationml/2006/main">
+  <p:cSld>
+    <p:spTree>
+      <p:nvGrpSpPr>
+        <p:cNvPr id="1" name=""/>
+        <p:cNvGrpSpPr/>
+        <p:nvPr/>
+      </p:nvGrpSpPr>
+      <p:grpSpPr>
+        <a:xfrm>
+          <a:off x="0" y="0"/>
+          <a:ext cx="0" cy="0"/>
+          <a:chOff x="0" y="0"/>
+          <a:chExt cx="0" cy="0"/>
+        </a:xfrm>
+      </p:grpSpPr>
+      <p:sp>
+        <p:nvSpPr>
+          <p:cNvPr id="2" name="标题 1">
+            <a:extLst>
+              <a:ext uri="{FF2B5EF4-FFF2-40B4-BE49-F238E27FC236}">
+                <a16:creationId xmlns:a16="http://schemas.microsoft.com/office/drawing/2014/main" id="{8E93F13E-E858-4AF0-9292-FB971F3FFD42}"/>
+              </a:ext>
+            </a:extLst>
+          </p:cNvPr>
+          <p:cNvSpPr>
+            <a:spLocks noGrp="1"/>
+          </p:cNvSpPr>
+          <p:nvPr>
+            <p:ph type="title"/>
+          </p:nvPr>
+        </p:nvSpPr>
+        <p:spPr/>
+        <p:txBody>
+          <a:bodyPr/>
+          <a:lstStyle/>
+          <a:p>
+            <a:r>
+              <a:rPr lang="en-US" altLang="zh-CN" dirty="0"/>
+              <a:t>Declarative VS Imperative</a:t>
+            </a:r>
+            <a:endParaRPr lang="zh-CN" altLang="en-US" dirty="0"/>
+          </a:p>
+        </p:txBody>
+      </p:sp>
+      <p:sp>
+        <p:nvSpPr>
+          <p:cNvPr id="3" name="内容占位符 2">
+            <a:extLst>
+              <a:ext uri="{FF2B5EF4-FFF2-40B4-BE49-F238E27FC236}">
+                <a16:creationId xmlns:a16="http://schemas.microsoft.com/office/drawing/2014/main" id="{33983278-5BD6-40F1-97EE-03E4EECFC1B6}"/>
+              </a:ext>
+            </a:extLst>
+          </p:cNvPr>
+          <p:cNvSpPr>
+            <a:spLocks noGrp="1"/>
+          </p:cNvSpPr>
+          <p:nvPr>
+            <p:ph idx="1"/>
+          </p:nvPr>
+        </p:nvSpPr>
+        <p:spPr>
+          <a:xfrm>
+            <a:off x="818712" y="2222287"/>
+            <a:ext cx="10554574" cy="4538480"/>
+          </a:xfrm>
+        </p:spPr>
+        <p:txBody>
+          <a:bodyPr/>
+          <a:lstStyle/>
+          <a:p>
+            <a:r>
+              <a:rPr lang="en-US" altLang="zh-CN" sz="2000" dirty="0"/>
+              <a:t>No need to care when to update the view</a:t>
+            </a:r>
+          </a:p>
+          <a:p>
+            <a:r>
+              <a:rPr lang="en-US" altLang="zh-CN" sz="2000" dirty="0"/>
+              <a:t>Changes can be tracked easily</a:t>
+            </a:r>
+          </a:p>
+          <a:p>
+            <a:r>
+              <a:rPr lang="en-US" altLang="zh-CN" sz="2000" dirty="0"/>
+              <a:t>Less lagging</a:t>
+            </a:r>
+          </a:p>
+          <a:p>
+            <a:r>
+              <a:rPr lang="en-US" altLang="zh-CN" sz="2000" dirty="0"/>
+              <a:t>Clear and concise</a:t>
+            </a:r>
+          </a:p>
+          <a:p>
+            <a:r>
+              <a:rPr lang="en-US" altLang="zh-CN" sz="2000" dirty="0"/>
+              <a:t>Auto adapt resolutions</a:t>
+            </a:r>
+          </a:p>
+          <a:p>
+            <a:r>
+              <a:rPr lang="en-US" altLang="zh-CN" sz="2000" dirty="0"/>
+              <a:t>Dynamic nodes</a:t>
+            </a:r>
+          </a:p>
+          <a:p>
+            <a:pPr marL="0" indent="0">
+              <a:buNone/>
+            </a:pPr>
+            <a:endParaRPr lang="en-US" altLang="zh-CN" sz="2000" dirty="0"/>
+          </a:p>
+          <a:p>
+            <a:pPr marL="0" indent="0">
+              <a:buNone/>
+            </a:pPr>
+            <a:r>
+              <a:rPr lang="en-US" altLang="zh-CN" sz="2000" dirty="0"/>
+              <a:t>One more thing?</a:t>
+            </a:r>
+          </a:p>
+          <a:p>
+            <a:r>
+              <a:rPr lang="en-US" altLang="zh-CN" sz="2000" dirty="0"/>
+              <a:t>DSL and opaque result? ?</a:t>
+            </a:r>
+            <a:endParaRPr lang="zh-CN" altLang="en-US" dirty="0"/>
+          </a:p>
+        </p:txBody>
+      </p:sp>
+    </p:spTree>
+    <p:extLst>
+      <p:ext uri="{BB962C8B-B14F-4D97-AF65-F5344CB8AC3E}">
+        <p14:creationId xmlns:p14="http://schemas.microsoft.com/office/powerpoint/2010/main" val="3904120035"/>
+      </p:ext>
+    </p:extLst>
+  </p:cSld>
+  <p:clrMapOvr>
+    <a:masterClrMapping/>
+  </p:clrMapOvr>
+</p:sld>
+</file>
+
+<file path=ppt/slides/slide11.xml><?xml version="1.0" encoding="utf-8"?>
+<p:sld xmlns:a="http://schemas.openxmlformats.org/drawingml/2006/main" xmlns:r="http://schemas.openxmlformats.org/officeDocument/2006/relationships" xmlns:p="http://schemas.openxmlformats.org/presentationml/2006/main">
+  <p:cSld>
+    <p:spTree>
+      <p:nvGrpSpPr>
+        <p:cNvPr id="1" name=""/>
+        <p:cNvGrpSpPr/>
+        <p:nvPr/>
+      </p:nvGrpSpPr>
+      <p:grpSpPr>
+        <a:xfrm>
+          <a:off x="0" y="0"/>
+          <a:ext cx="0" cy="0"/>
+          <a:chOff x="0" y="0"/>
+          <a:chExt cx="0" cy="0"/>
+        </a:xfrm>
+      </p:grpSpPr>
+      <p:sp>
+        <p:nvSpPr>
+          <p:cNvPr id="2" name="标题 1">
+            <a:extLst>
+              <a:ext uri="{FF2B5EF4-FFF2-40B4-BE49-F238E27FC236}">
+                <a16:creationId xmlns:a16="http://schemas.microsoft.com/office/drawing/2014/main" id="{A2B50A01-3AC3-4E37-8977-771A2CD0704D}"/>
+              </a:ext>
+            </a:extLst>
+          </p:cNvPr>
+          <p:cNvSpPr>
+            <a:spLocks noGrp="1"/>
+          </p:cNvSpPr>
+          <p:nvPr>
+            <p:ph type="title"/>
+          </p:nvPr>
+        </p:nvSpPr>
+        <p:spPr/>
+        <p:txBody>
+          <a:bodyPr/>
+          <a:lstStyle/>
+          <a:p>
+            <a:r>
+              <a:rPr lang="en-US" altLang="zh-CN" dirty="0"/>
+              <a:t>MVVM in Android</a:t>
+            </a:r>
+            <a:endParaRPr lang="zh-CN" altLang="en-US" dirty="0"/>
+          </a:p>
+        </p:txBody>
+      </p:sp>
+      <p:sp>
+        <p:nvSpPr>
+          <p:cNvPr id="3" name="内容占位符 2">
+            <a:extLst>
+              <a:ext uri="{FF2B5EF4-FFF2-40B4-BE49-F238E27FC236}">
+                <a16:creationId xmlns:a16="http://schemas.microsoft.com/office/drawing/2014/main" id="{70A6C10D-D69A-425B-B21B-151AB4032DA8}"/>
+              </a:ext>
+            </a:extLst>
+          </p:cNvPr>
+          <p:cNvSpPr>
+            <a:spLocks noGrp="1"/>
+          </p:cNvSpPr>
+          <p:nvPr>
+            <p:ph idx="1"/>
+          </p:nvPr>
+        </p:nvSpPr>
+        <p:spPr/>
+        <p:txBody>
+          <a:bodyPr>
+            <a:normAutofit/>
+          </a:bodyPr>
+          <a:lstStyle/>
+          <a:p>
+            <a:r>
+              <a:rPr lang="en-US" altLang="zh-CN" sz="2400" dirty="0"/>
+              <a:t>Data binding features</a:t>
+            </a:r>
+          </a:p>
+          <a:p>
+            <a:r>
+              <a:rPr lang="en-US" altLang="zh-CN" sz="2400" dirty="0"/>
+              <a:t>Live Data and Observable objects</a:t>
+            </a:r>
+          </a:p>
+          <a:p>
+            <a:endParaRPr lang="en-US" altLang="zh-CN" sz="2400" dirty="0"/>
+          </a:p>
+          <a:p>
+            <a:r>
+              <a:rPr lang="en-US" altLang="zh-CN" sz="2400" dirty="0"/>
+              <a:t>Modern API – Jetpack Compose</a:t>
+            </a:r>
+            <a:endParaRPr lang="zh-CN" altLang="en-US" sz="2400" dirty="0"/>
+          </a:p>
+        </p:txBody>
+      </p:sp>
+    </p:spTree>
+    <p:extLst>
+      <p:ext uri="{BB962C8B-B14F-4D97-AF65-F5344CB8AC3E}">
+        <p14:creationId xmlns:p14="http://schemas.microsoft.com/office/powerpoint/2010/main" val="830373300"/>
+      </p:ext>
+    </p:extLst>
+  </p:cSld>
+  <p:clrMapOvr>
+    <a:masterClrMapping/>
+  </p:clrMapOvr>
+</p:sld>
+</file>
+
 <file path=ppt/slides/slide2.xml><?xml version="1.0" encoding="utf-8"?>
 <p:sld xmlns:a="http://schemas.openxmlformats.org/drawingml/2006/main" xmlns:r="http://schemas.openxmlformats.org/officeDocument/2006/relationships" xmlns:p="http://schemas.openxmlformats.org/presentationml/2006/main">
   <p:cSld>
@@ -5903,15 +6161,15 @@
         </p:spPr>
         <p:style>
           <a:lnRef idx="2">
-            <a:schemeClr val="accent4">
+            <a:schemeClr val="accent6">
               <a:shade val="50000"/>
             </a:schemeClr>
           </a:lnRef>
           <a:fillRef idx="1">
-            <a:schemeClr val="accent4"/>
+            <a:schemeClr val="accent6"/>
           </a:fillRef>
           <a:effectRef idx="0">
-            <a:schemeClr val="accent4"/>
+            <a:schemeClr val="accent6"/>
           </a:effectRef>
           <a:fontRef idx="minor">
             <a:schemeClr val="lt1"/>
@@ -6467,7 +6725,7 @@
             <a:pPr lvl="1"/>
             <a:r>
               <a:rPr lang="en-US" altLang="zh-CN" sz="2100" dirty="0"/>
-              <a:t>Cannot track/observe changes</a:t>
+              <a:t>Cannot/Hard track/observe changes</a:t>
             </a:r>
           </a:p>
           <a:p>
@@ -6575,10 +6833,33 @@
         </p:nvSpPr>
         <p:spPr/>
         <p:txBody>
-          <a:bodyPr/>
-          <a:lstStyle/>
-          <a:p>
-            <a:endParaRPr lang="zh-CN" altLang="en-US"/>
+          <a:bodyPr>
+            <a:normAutofit/>
+          </a:bodyPr>
+          <a:lstStyle/>
+          <a:p>
+            <a:r>
+              <a:rPr lang="en-US" altLang="zh-CN" sz="2400" dirty="0"/>
+              <a:t>To cure those disadvantages in MVC, we used a better structure called MVVM, M-Model, V-View, VM-</a:t>
+            </a:r>
+            <a:r>
+              <a:rPr lang="en-US" altLang="zh-CN" sz="2400" dirty="0" err="1"/>
+              <a:t>ViewModel</a:t>
+            </a:r>
+            <a:endParaRPr lang="en-US" altLang="zh-CN" sz="2400" dirty="0"/>
+          </a:p>
+          <a:p>
+            <a:r>
+              <a:rPr lang="en-US" altLang="zh-CN" sz="2400" dirty="0"/>
+              <a:t>What’s different?</a:t>
+            </a:r>
+          </a:p>
+          <a:p>
+            <a:r>
+              <a:rPr lang="en-US" altLang="zh-CN" sz="2400" dirty="0"/>
+              <a:t>What kind of role does VM play in this structure?</a:t>
+            </a:r>
+            <a:endParaRPr lang="zh-CN" altLang="en-US" sz="2400" dirty="0"/>
           </a:p>
         </p:txBody>
       </p:sp>
@@ -6586,6 +6867,599 @@
     <p:extLst>
       <p:ext uri="{BB962C8B-B14F-4D97-AF65-F5344CB8AC3E}">
         <p14:creationId xmlns:p14="http://schemas.microsoft.com/office/powerpoint/2010/main" val="1148199016"/>
+      </p:ext>
+    </p:extLst>
+  </p:cSld>
+  <p:clrMapOvr>
+    <a:masterClrMapping/>
+  </p:clrMapOvr>
+</p:sld>
+</file>
+
+<file path=ppt/slides/slide8.xml><?xml version="1.0" encoding="utf-8"?>
+<p:sld xmlns:a="http://schemas.openxmlformats.org/drawingml/2006/main" xmlns:r="http://schemas.openxmlformats.org/officeDocument/2006/relationships" xmlns:p="http://schemas.openxmlformats.org/presentationml/2006/main">
+  <p:cSld>
+    <p:spTree>
+      <p:nvGrpSpPr>
+        <p:cNvPr id="1" name=""/>
+        <p:cNvGrpSpPr/>
+        <p:nvPr/>
+      </p:nvGrpSpPr>
+      <p:grpSpPr>
+        <a:xfrm>
+          <a:off x="0" y="0"/>
+          <a:ext cx="0" cy="0"/>
+          <a:chOff x="0" y="0"/>
+          <a:chExt cx="0" cy="0"/>
+        </a:xfrm>
+      </p:grpSpPr>
+      <p:sp>
+        <p:nvSpPr>
+          <p:cNvPr id="2" name="标题 1">
+            <a:extLst>
+              <a:ext uri="{FF2B5EF4-FFF2-40B4-BE49-F238E27FC236}">
+                <a16:creationId xmlns:a16="http://schemas.microsoft.com/office/drawing/2014/main" id="{B6093CCE-2415-477A-8EF8-406762AEFF56}"/>
+              </a:ext>
+            </a:extLst>
+          </p:cNvPr>
+          <p:cNvSpPr>
+            <a:spLocks noGrp="1"/>
+          </p:cNvSpPr>
+          <p:nvPr>
+            <p:ph type="title"/>
+          </p:nvPr>
+        </p:nvSpPr>
+        <p:spPr/>
+        <p:txBody>
+          <a:bodyPr/>
+          <a:lstStyle/>
+          <a:p>
+            <a:r>
+              <a:rPr lang="en-US" altLang="zh-CN" dirty="0"/>
+              <a:t>Graph</a:t>
+            </a:r>
+            <a:endParaRPr lang="zh-CN" altLang="en-US" dirty="0"/>
+          </a:p>
+        </p:txBody>
+      </p:sp>
+      <p:sp>
+        <p:nvSpPr>
+          <p:cNvPr id="4" name="椭圆 3">
+            <a:extLst>
+              <a:ext uri="{FF2B5EF4-FFF2-40B4-BE49-F238E27FC236}">
+                <a16:creationId xmlns:a16="http://schemas.microsoft.com/office/drawing/2014/main" id="{2DB482DE-95E2-47DD-9A68-EAA5EF47B0E0}"/>
+              </a:ext>
+            </a:extLst>
+          </p:cNvPr>
+          <p:cNvSpPr/>
+          <p:nvPr/>
+        </p:nvSpPr>
+        <p:spPr>
+          <a:xfrm>
+            <a:off x="289629" y="3934817"/>
+            <a:ext cx="2118429" cy="1113003"/>
+          </a:xfrm>
+          <a:prstGeom prst="ellipse">
+            <a:avLst/>
+          </a:prstGeom>
+        </p:spPr>
+        <p:style>
+          <a:lnRef idx="2">
+            <a:schemeClr val="accent4">
+              <a:shade val="50000"/>
+            </a:schemeClr>
+          </a:lnRef>
+          <a:fillRef idx="1">
+            <a:schemeClr val="accent4"/>
+          </a:fillRef>
+          <a:effectRef idx="0">
+            <a:schemeClr val="accent4"/>
+          </a:effectRef>
+          <a:fontRef idx="minor">
+            <a:schemeClr val="lt1"/>
+          </a:fontRef>
+        </p:style>
+        <p:txBody>
+          <a:bodyPr rtlCol="0" anchor="ctr"/>
+          <a:lstStyle/>
+          <a:p>
+            <a:pPr algn="ctr"/>
+            <a:r>
+              <a:rPr lang="en-US" altLang="zh-CN" dirty="0"/>
+              <a:t>Model</a:t>
+            </a:r>
+            <a:endParaRPr lang="zh-CN" altLang="en-US" dirty="0"/>
+          </a:p>
+        </p:txBody>
+      </p:sp>
+      <p:sp>
+        <p:nvSpPr>
+          <p:cNvPr id="6" name="椭圆 5">
+            <a:extLst>
+              <a:ext uri="{FF2B5EF4-FFF2-40B4-BE49-F238E27FC236}">
+                <a16:creationId xmlns:a16="http://schemas.microsoft.com/office/drawing/2014/main" id="{71F50369-5F2C-403E-AA73-B8B6E5CE12E5}"/>
+              </a:ext>
+            </a:extLst>
+          </p:cNvPr>
+          <p:cNvSpPr/>
+          <p:nvPr/>
+        </p:nvSpPr>
+        <p:spPr>
+          <a:xfrm>
+            <a:off x="4956104" y="3934816"/>
+            <a:ext cx="2118429" cy="1113003"/>
+          </a:xfrm>
+          <a:prstGeom prst="ellipse">
+            <a:avLst/>
+          </a:prstGeom>
+        </p:spPr>
+        <p:style>
+          <a:lnRef idx="2">
+            <a:schemeClr val="accent2">
+              <a:shade val="50000"/>
+            </a:schemeClr>
+          </a:lnRef>
+          <a:fillRef idx="1">
+            <a:schemeClr val="accent2"/>
+          </a:fillRef>
+          <a:effectRef idx="0">
+            <a:schemeClr val="accent2"/>
+          </a:effectRef>
+          <a:fontRef idx="minor">
+            <a:schemeClr val="lt1"/>
+          </a:fontRef>
+        </p:style>
+        <p:txBody>
+          <a:bodyPr rtlCol="0" anchor="ctr"/>
+          <a:lstStyle/>
+          <a:p>
+            <a:pPr algn="ctr"/>
+            <a:r>
+              <a:rPr lang="en-US" altLang="zh-CN" dirty="0"/>
+              <a:t>View Model</a:t>
+            </a:r>
+            <a:endParaRPr lang="zh-CN" altLang="en-US" dirty="0"/>
+          </a:p>
+        </p:txBody>
+      </p:sp>
+      <p:sp>
+        <p:nvSpPr>
+          <p:cNvPr id="7" name="椭圆 6">
+            <a:extLst>
+              <a:ext uri="{FF2B5EF4-FFF2-40B4-BE49-F238E27FC236}">
+                <a16:creationId xmlns:a16="http://schemas.microsoft.com/office/drawing/2014/main" id="{2E4F9D7A-E646-49FA-92BC-37DD9B5DCDA1}"/>
+              </a:ext>
+            </a:extLst>
+          </p:cNvPr>
+          <p:cNvSpPr/>
+          <p:nvPr/>
+        </p:nvSpPr>
+        <p:spPr>
+          <a:xfrm>
+            <a:off x="9783942" y="3934815"/>
+            <a:ext cx="2118429" cy="1113003"/>
+          </a:xfrm>
+          <a:prstGeom prst="ellipse">
+            <a:avLst/>
+          </a:prstGeom>
+        </p:spPr>
+        <p:style>
+          <a:lnRef idx="2">
+            <a:schemeClr val="accent6">
+              <a:shade val="50000"/>
+            </a:schemeClr>
+          </a:lnRef>
+          <a:fillRef idx="1">
+            <a:schemeClr val="accent6"/>
+          </a:fillRef>
+          <a:effectRef idx="0">
+            <a:schemeClr val="accent6"/>
+          </a:effectRef>
+          <a:fontRef idx="minor">
+            <a:schemeClr val="lt1"/>
+          </a:fontRef>
+        </p:style>
+        <p:txBody>
+          <a:bodyPr rtlCol="0" anchor="ctr"/>
+          <a:lstStyle/>
+          <a:p>
+            <a:pPr algn="ctr"/>
+            <a:r>
+              <a:rPr lang="en-US" altLang="zh-CN" dirty="0"/>
+              <a:t>View</a:t>
+            </a:r>
+            <a:endParaRPr lang="zh-CN" altLang="en-US" dirty="0"/>
+          </a:p>
+        </p:txBody>
+      </p:sp>
+      <p:cxnSp>
+        <p:nvCxnSpPr>
+          <p:cNvPr id="9" name="直接箭头连接符 8">
+            <a:extLst>
+              <a:ext uri="{FF2B5EF4-FFF2-40B4-BE49-F238E27FC236}">
+                <a16:creationId xmlns:a16="http://schemas.microsoft.com/office/drawing/2014/main" id="{D6A3C875-01E4-4F6E-A070-36FE3430A2E3}"/>
+              </a:ext>
+            </a:extLst>
+          </p:cNvPr>
+          <p:cNvCxnSpPr>
+            <a:stCxn id="4" idx="7"/>
+            <a:endCxn id="6" idx="1"/>
+          </p:cNvCxnSpPr>
+          <p:nvPr/>
+        </p:nvCxnSpPr>
+        <p:spPr>
+          <a:xfrm flipV="1">
+            <a:off x="2097821" y="4097812"/>
+            <a:ext cx="3168520" cy="1"/>
+          </a:xfrm>
+          <a:prstGeom prst="straightConnector1">
+            <a:avLst/>
+          </a:prstGeom>
+          <a:ln>
+            <a:tailEnd type="triangle"/>
+          </a:ln>
+        </p:spPr>
+        <p:style>
+          <a:lnRef idx="1">
+            <a:schemeClr val="accent1"/>
+          </a:lnRef>
+          <a:fillRef idx="0">
+            <a:schemeClr val="accent1"/>
+          </a:fillRef>
+          <a:effectRef idx="0">
+            <a:schemeClr val="accent1"/>
+          </a:effectRef>
+          <a:fontRef idx="minor">
+            <a:schemeClr val="tx1"/>
+          </a:fontRef>
+        </p:style>
+      </p:cxnSp>
+      <p:cxnSp>
+        <p:nvCxnSpPr>
+          <p:cNvPr id="11" name="直接箭头连接符 10">
+            <a:extLst>
+              <a:ext uri="{FF2B5EF4-FFF2-40B4-BE49-F238E27FC236}">
+                <a16:creationId xmlns:a16="http://schemas.microsoft.com/office/drawing/2014/main" id="{F36CD7CA-498D-4915-8F54-62708AD239F2}"/>
+              </a:ext>
+            </a:extLst>
+          </p:cNvPr>
+          <p:cNvCxnSpPr>
+            <a:stCxn id="6" idx="3"/>
+            <a:endCxn id="4" idx="5"/>
+          </p:cNvCxnSpPr>
+          <p:nvPr/>
+        </p:nvCxnSpPr>
+        <p:spPr>
+          <a:xfrm flipH="1">
+            <a:off x="2097821" y="4884823"/>
+            <a:ext cx="3168520" cy="1"/>
+          </a:xfrm>
+          <a:prstGeom prst="straightConnector1">
+            <a:avLst/>
+          </a:prstGeom>
+          <a:ln>
+            <a:tailEnd type="triangle"/>
+          </a:ln>
+        </p:spPr>
+        <p:style>
+          <a:lnRef idx="1">
+            <a:schemeClr val="accent1"/>
+          </a:lnRef>
+          <a:fillRef idx="0">
+            <a:schemeClr val="accent1"/>
+          </a:fillRef>
+          <a:effectRef idx="0">
+            <a:schemeClr val="accent1"/>
+          </a:effectRef>
+          <a:fontRef idx="minor">
+            <a:schemeClr val="tx1"/>
+          </a:fontRef>
+        </p:style>
+      </p:cxnSp>
+      <p:cxnSp>
+        <p:nvCxnSpPr>
+          <p:cNvPr id="13" name="直接箭头连接符 12">
+            <a:extLst>
+              <a:ext uri="{FF2B5EF4-FFF2-40B4-BE49-F238E27FC236}">
+                <a16:creationId xmlns:a16="http://schemas.microsoft.com/office/drawing/2014/main" id="{A7CC00B1-EBC6-4BA0-BF59-DE5AF6B1FA24}"/>
+              </a:ext>
+            </a:extLst>
+          </p:cNvPr>
+          <p:cNvCxnSpPr>
+            <a:stCxn id="6" idx="6"/>
+            <a:endCxn id="7" idx="2"/>
+          </p:cNvCxnSpPr>
+          <p:nvPr/>
+        </p:nvCxnSpPr>
+        <p:spPr>
+          <a:xfrm flipV="1">
+            <a:off x="7074533" y="4491317"/>
+            <a:ext cx="2709409" cy="1"/>
+          </a:xfrm>
+          <a:prstGeom prst="straightConnector1">
+            <a:avLst/>
+          </a:prstGeom>
+          <a:ln>
+            <a:headEnd type="triangle"/>
+            <a:tailEnd type="triangle"/>
+          </a:ln>
+        </p:spPr>
+        <p:style>
+          <a:lnRef idx="1">
+            <a:schemeClr val="accent1"/>
+          </a:lnRef>
+          <a:fillRef idx="0">
+            <a:schemeClr val="accent1"/>
+          </a:fillRef>
+          <a:effectRef idx="0">
+            <a:schemeClr val="accent1"/>
+          </a:effectRef>
+          <a:fontRef idx="minor">
+            <a:schemeClr val="tx1"/>
+          </a:fontRef>
+        </p:style>
+      </p:cxnSp>
+      <p:sp>
+        <p:nvSpPr>
+          <p:cNvPr id="14" name="文本框 13">
+            <a:extLst>
+              <a:ext uri="{FF2B5EF4-FFF2-40B4-BE49-F238E27FC236}">
+                <a16:creationId xmlns:a16="http://schemas.microsoft.com/office/drawing/2014/main" id="{429C1C90-5C0C-4CEB-A44C-3E4AF95A4670}"/>
+              </a:ext>
+            </a:extLst>
+          </p:cNvPr>
+          <p:cNvSpPr txBox="1"/>
+          <p:nvPr/>
+        </p:nvSpPr>
+        <p:spPr>
+          <a:xfrm>
+            <a:off x="2885499" y="3750149"/>
+            <a:ext cx="1431802" cy="369332"/>
+          </a:xfrm>
+          <a:prstGeom prst="rect">
+            <a:avLst/>
+          </a:prstGeom>
+          <a:noFill/>
+        </p:spPr>
+        <p:txBody>
+          <a:bodyPr wrap="none" rtlCol="0">
+            <a:spAutoFit/>
+          </a:bodyPr>
+          <a:lstStyle/>
+          <a:p>
+            <a:r>
+              <a:rPr lang="en-US" altLang="zh-CN" dirty="0"/>
+              <a:t>Fetch data</a:t>
+            </a:r>
+            <a:endParaRPr lang="zh-CN" altLang="en-US" dirty="0"/>
+          </a:p>
+        </p:txBody>
+      </p:sp>
+      <p:sp>
+        <p:nvSpPr>
+          <p:cNvPr id="15" name="文本框 14">
+            <a:extLst>
+              <a:ext uri="{FF2B5EF4-FFF2-40B4-BE49-F238E27FC236}">
+                <a16:creationId xmlns:a16="http://schemas.microsoft.com/office/drawing/2014/main" id="{2999CA74-F31E-4262-AA59-68469BC1F453}"/>
+              </a:ext>
+            </a:extLst>
+          </p:cNvPr>
+          <p:cNvSpPr txBox="1"/>
+          <p:nvPr/>
+        </p:nvSpPr>
+        <p:spPr>
+          <a:xfrm>
+            <a:off x="2885499" y="4540315"/>
+            <a:ext cx="1351652" cy="369332"/>
+          </a:xfrm>
+          <a:prstGeom prst="rect">
+            <a:avLst/>
+          </a:prstGeom>
+          <a:noFill/>
+        </p:spPr>
+        <p:txBody>
+          <a:bodyPr wrap="none" rtlCol="0">
+            <a:spAutoFit/>
+          </a:bodyPr>
+          <a:lstStyle/>
+          <a:p>
+            <a:r>
+              <a:rPr lang="en-US" altLang="zh-CN" dirty="0"/>
+              <a:t>Save data</a:t>
+            </a:r>
+            <a:endParaRPr lang="zh-CN" altLang="en-US" dirty="0"/>
+          </a:p>
+        </p:txBody>
+      </p:sp>
+      <p:sp>
+        <p:nvSpPr>
+          <p:cNvPr id="16" name="文本框 15">
+            <a:extLst>
+              <a:ext uri="{FF2B5EF4-FFF2-40B4-BE49-F238E27FC236}">
+                <a16:creationId xmlns:a16="http://schemas.microsoft.com/office/drawing/2014/main" id="{FB9C354F-ACAB-48EA-90FF-5ACCF6737F76}"/>
+              </a:ext>
+            </a:extLst>
+          </p:cNvPr>
+          <p:cNvSpPr txBox="1"/>
+          <p:nvPr/>
+        </p:nvSpPr>
+        <p:spPr>
+          <a:xfrm>
+            <a:off x="7547938" y="4097812"/>
+            <a:ext cx="1762599" cy="369332"/>
+          </a:xfrm>
+          <a:prstGeom prst="rect">
+            <a:avLst/>
+          </a:prstGeom>
+          <a:noFill/>
+        </p:spPr>
+        <p:txBody>
+          <a:bodyPr wrap="square" rtlCol="0">
+            <a:spAutoFit/>
+          </a:bodyPr>
+          <a:lstStyle/>
+          <a:p>
+            <a:r>
+              <a:rPr lang="en-US" altLang="zh-CN" dirty="0"/>
+              <a:t>Data binding</a:t>
+            </a:r>
+            <a:endParaRPr lang="zh-CN" altLang="en-US" dirty="0"/>
+          </a:p>
+        </p:txBody>
+      </p:sp>
+    </p:spTree>
+    <p:extLst>
+      <p:ext uri="{BB962C8B-B14F-4D97-AF65-F5344CB8AC3E}">
+        <p14:creationId xmlns:p14="http://schemas.microsoft.com/office/powerpoint/2010/main" val="3696435303"/>
+      </p:ext>
+    </p:extLst>
+  </p:cSld>
+  <p:clrMapOvr>
+    <a:masterClrMapping/>
+  </p:clrMapOvr>
+</p:sld>
+</file>
+
+<file path=ppt/slides/slide9.xml><?xml version="1.0" encoding="utf-8"?>
+<p:sld xmlns:a="http://schemas.openxmlformats.org/drawingml/2006/main" xmlns:r="http://schemas.openxmlformats.org/officeDocument/2006/relationships" xmlns:p="http://schemas.openxmlformats.org/presentationml/2006/main">
+  <p:cSld>
+    <p:spTree>
+      <p:nvGrpSpPr>
+        <p:cNvPr id="1" name=""/>
+        <p:cNvGrpSpPr/>
+        <p:nvPr/>
+      </p:nvGrpSpPr>
+      <p:grpSpPr>
+        <a:xfrm>
+          <a:off x="0" y="0"/>
+          <a:ext cx="0" cy="0"/>
+          <a:chOff x="0" y="0"/>
+          <a:chExt cx="0" cy="0"/>
+        </a:xfrm>
+      </p:grpSpPr>
+      <p:sp>
+        <p:nvSpPr>
+          <p:cNvPr id="2" name="标题 1">
+            <a:extLst>
+              <a:ext uri="{FF2B5EF4-FFF2-40B4-BE49-F238E27FC236}">
+                <a16:creationId xmlns:a16="http://schemas.microsoft.com/office/drawing/2014/main" id="{A1D9E07F-C0AD-4CF3-855D-F37543634E5D}"/>
+              </a:ext>
+            </a:extLst>
+          </p:cNvPr>
+          <p:cNvSpPr>
+            <a:spLocks noGrp="1"/>
+          </p:cNvSpPr>
+          <p:nvPr>
+            <p:ph type="title"/>
+          </p:nvPr>
+        </p:nvSpPr>
+        <p:spPr/>
+        <p:txBody>
+          <a:bodyPr/>
+          <a:lstStyle/>
+          <a:p>
+            <a:r>
+              <a:rPr lang="en-US" altLang="zh-CN" dirty="0"/>
+              <a:t>Analyze</a:t>
+            </a:r>
+            <a:endParaRPr lang="zh-CN" altLang="en-US" dirty="0"/>
+          </a:p>
+        </p:txBody>
+      </p:sp>
+      <p:sp>
+        <p:nvSpPr>
+          <p:cNvPr id="3" name="内容占位符 2">
+            <a:extLst>
+              <a:ext uri="{FF2B5EF4-FFF2-40B4-BE49-F238E27FC236}">
+                <a16:creationId xmlns:a16="http://schemas.microsoft.com/office/drawing/2014/main" id="{60686F74-A169-4A4F-9061-3483CD97B058}"/>
+              </a:ext>
+            </a:extLst>
+          </p:cNvPr>
+          <p:cNvSpPr>
+            <a:spLocks noGrp="1"/>
+          </p:cNvSpPr>
+          <p:nvPr>
+            <p:ph idx="1"/>
+          </p:nvPr>
+        </p:nvSpPr>
+        <p:spPr>
+          <a:xfrm>
+            <a:off x="818712" y="2222287"/>
+            <a:ext cx="10554574" cy="4555031"/>
+          </a:xfrm>
+        </p:spPr>
+        <p:txBody>
+          <a:bodyPr>
+            <a:normAutofit/>
+          </a:bodyPr>
+          <a:lstStyle/>
+          <a:p>
+            <a:r>
+              <a:rPr lang="en-US" altLang="zh-CN" sz="2000" dirty="0"/>
+              <a:t>Advantages:</a:t>
+            </a:r>
+          </a:p>
+          <a:p>
+            <a:pPr lvl="1"/>
+            <a:r>
+              <a:rPr lang="en-US" altLang="zh-CN" sz="1800" dirty="0"/>
+              <a:t>Decoupling</a:t>
+            </a:r>
+          </a:p>
+          <a:p>
+            <a:pPr lvl="1"/>
+            <a:r>
+              <a:rPr lang="en-US" altLang="zh-CN" sz="1800" dirty="0"/>
+              <a:t>No need to concern how to change the data in the view because it’s automatic.</a:t>
+            </a:r>
+          </a:p>
+          <a:p>
+            <a:pPr lvl="1"/>
+            <a:r>
+              <a:rPr lang="en-US" altLang="zh-CN" sz="1800" dirty="0"/>
+              <a:t>No need to concern threads or main thread.</a:t>
+            </a:r>
+          </a:p>
+          <a:p>
+            <a:pPr lvl="1"/>
+            <a:r>
+              <a:rPr lang="en-US" altLang="zh-CN" sz="1800" dirty="0"/>
+              <a:t>Reduce amount of code</a:t>
+            </a:r>
+          </a:p>
+          <a:p>
+            <a:pPr lvl="1"/>
+            <a:r>
+              <a:rPr lang="en-US" altLang="zh-CN" sz="1800" dirty="0"/>
+              <a:t>Declarative UI design becomes possible(Declarative????)</a:t>
+            </a:r>
+          </a:p>
+          <a:p>
+            <a:r>
+              <a:rPr lang="en-US" altLang="zh-CN" sz="2000" dirty="0"/>
+              <a:t>Disadvantages:</a:t>
+            </a:r>
+          </a:p>
+          <a:p>
+            <a:pPr lvl="1"/>
+            <a:r>
+              <a:rPr lang="en-US" altLang="zh-CN" sz="1800" dirty="0"/>
+              <a:t>Requires more memory</a:t>
+            </a:r>
+          </a:p>
+          <a:p>
+            <a:pPr lvl="1"/>
+            <a:r>
+              <a:rPr lang="en-US" altLang="zh-CN" sz="1800" dirty="0"/>
+              <a:t>Although it’s more convenient for programmers, it greatly increase the difficulty of OS and Runtime Library</a:t>
+            </a:r>
+          </a:p>
+        </p:txBody>
+      </p:sp>
+    </p:spTree>
+    <p:extLst>
+      <p:ext uri="{BB962C8B-B14F-4D97-AF65-F5344CB8AC3E}">
+        <p14:creationId xmlns:p14="http://schemas.microsoft.com/office/powerpoint/2010/main" val="3214369611"/>
       </p:ext>
     </p:extLst>
   </p:cSld>
